--- a/midterm-ppt/期中報告.pptx
+++ b/midterm-ppt/期中報告.pptx
@@ -113,6 +113,11 @@
       </a:defRPr>
     </a:lvl9pPr>
   </p:defaultTextStyle>
+  <p:extLst>
+    <p:ext uri="{EFAFB233-063F-42B5-8137-9DF3F51BA10A}">
+      <p15:sldGuideLst xmlns:p15="http://schemas.microsoft.com/office/powerpoint/2012/main"/>
+    </p:ext>
+  </p:extLst>
 </p:presentation>
 </file>
 
@@ -5879,7 +5884,7 @@
           </a:prstGeom>
           <a:solidFill>
             <a:srgbClr val="252125">
-              <a:alpha val="80000"/>
+              <a:alpha val="58824"/>
             </a:srgbClr>
           </a:solidFill>
           <a:ln>
@@ -5933,7 +5938,7 @@
           <a:p>
             <a:pPr algn="ctr"/>
             <a:r>
-              <a:rPr lang="zh-TW" altLang="en-US" dirty="0" smtClean="0">
+              <a:rPr lang="zh-TW" altLang="en-US" sz="6000" dirty="0" smtClean="0">
                 <a:solidFill>
                   <a:schemeClr val="bg1"/>
                 </a:solidFill>
@@ -5941,7 +5946,7 @@
               <a:t>北科</a:t>
             </a:r>
             <a:r>
-              <a:rPr lang="zh-TW" altLang="en-US" dirty="0">
+              <a:rPr lang="zh-TW" altLang="en-US" sz="6000" dirty="0">
                 <a:solidFill>
                   <a:schemeClr val="bg1"/>
                 </a:solidFill>
@@ -5949,7 +5954,7 @@
               <a:t> </a:t>
             </a:r>
             <a:r>
-              <a:rPr lang="en-US" altLang="zh-TW" dirty="0" smtClean="0">
+              <a:rPr lang="en-US" altLang="zh-TW" sz="6000" dirty="0" smtClean="0">
                 <a:solidFill>
                   <a:schemeClr val="bg1"/>
                 </a:solidFill>
@@ -5957,7 +5962,7 @@
               <a:t>Tour</a:t>
             </a:r>
             <a:r>
-              <a:rPr lang="zh-TW" altLang="en-US" dirty="0" smtClean="0">
+              <a:rPr lang="zh-TW" altLang="en-US" sz="6000" dirty="0" smtClean="0">
                 <a:solidFill>
                   <a:schemeClr val="bg1"/>
                 </a:solidFill>
@@ -5965,14 +5970,14 @@
               <a:t> </a:t>
             </a:r>
             <a:r>
-              <a:rPr lang="en-US" altLang="zh-TW" dirty="0" smtClean="0">
+              <a:rPr lang="en-US" altLang="zh-TW" sz="6000" dirty="0" smtClean="0">
                 <a:solidFill>
                   <a:schemeClr val="bg1"/>
                 </a:solidFill>
               </a:rPr>
               <a:t>Guide</a:t>
             </a:r>
-            <a:endParaRPr lang="zh-TW" altLang="en-US" dirty="0">
+            <a:endParaRPr lang="zh-TW" altLang="en-US" sz="6000" dirty="0">
               <a:solidFill>
                 <a:schemeClr val="bg1"/>
               </a:solidFill>
@@ -5997,54 +6002,62 @@
           </a:xfrm>
         </p:spPr>
         <p:txBody>
-          <a:bodyPr/>
+          <a:bodyPr>
+            <a:normAutofit/>
+          </a:bodyPr>
           <a:lstStyle/>
           <a:p>
             <a:pPr algn="ctr"/>
             <a:r>
-              <a:rPr lang="en-US" altLang="zh-TW" dirty="0" smtClean="0">
+              <a:rPr lang="en-US" altLang="zh-TW" sz="2400" b="1" dirty="0" smtClean="0">
                 <a:solidFill>
                   <a:schemeClr val="bg1"/>
                 </a:solidFill>
+                <a:latin typeface="+mn-ea"/>
               </a:rPr>
               <a:t>102820007 </a:t>
             </a:r>
             <a:r>
-              <a:rPr lang="zh-TW" altLang="en-US" dirty="0" smtClean="0">
+              <a:rPr lang="zh-TW" altLang="en-US" sz="2400" b="1" dirty="0" smtClean="0">
                 <a:solidFill>
                   <a:schemeClr val="bg1"/>
                 </a:solidFill>
+                <a:latin typeface="+mn-ea"/>
               </a:rPr>
               <a:t>郭建陞</a:t>
             </a:r>
-            <a:endParaRPr lang="en-US" altLang="zh-TW" dirty="0" smtClean="0">
+            <a:endParaRPr lang="en-US" altLang="zh-TW" sz="2400" b="1" dirty="0" smtClean="0">
               <a:solidFill>
                 <a:schemeClr val="bg1"/>
               </a:solidFill>
+              <a:latin typeface="+mn-ea"/>
             </a:endParaRPr>
           </a:p>
           <a:p>
             <a:pPr algn="ctr"/>
             <a:r>
-              <a:rPr lang="en-US" altLang="zh-TW" dirty="0" smtClean="0">
+              <a:rPr lang="en-US" altLang="zh-TW" sz="2400" b="1" dirty="0" smtClean="0">
                 <a:solidFill>
                   <a:schemeClr val="bg1"/>
                 </a:solidFill>
+                <a:latin typeface="+mn-ea"/>
               </a:rPr>
               <a:t>102820015</a:t>
             </a:r>
             <a:r>
-              <a:rPr lang="zh-TW" altLang="en-US" dirty="0" smtClean="0">
+              <a:rPr lang="zh-TW" altLang="en-US" sz="2400" b="1" dirty="0" smtClean="0">
                 <a:solidFill>
                   <a:schemeClr val="bg1"/>
                 </a:solidFill>
+                <a:latin typeface="+mn-ea"/>
               </a:rPr>
               <a:t> 李嘉晟</a:t>
             </a:r>
-            <a:endParaRPr lang="zh-TW" altLang="en-US" dirty="0">
+            <a:endParaRPr lang="zh-TW" altLang="en-US" sz="2400" b="1" dirty="0">
               <a:solidFill>
                 <a:schemeClr val="bg1"/>
               </a:solidFill>
+              <a:latin typeface="+mn-ea"/>
             </a:endParaRPr>
           </a:p>
         </p:txBody>
@@ -6096,10 +6109,15 @@
             <p:ph type="title"/>
           </p:nvPr>
         </p:nvSpPr>
-        <p:spPr/>
+        <p:spPr>
+          <a:xfrm>
+            <a:off x="864334" y="231494"/>
+            <a:ext cx="3072864" cy="868101"/>
+          </a:xfrm>
+        </p:spPr>
         <p:txBody>
           <a:bodyPr>
-            <a:normAutofit/>
+            <a:normAutofit fontScale="90000"/>
           </a:bodyPr>
           <a:lstStyle/>
           <a:p>
@@ -6129,33 +6147,579 @@
             <p:ph idx="1"/>
           </p:nvPr>
         </p:nvSpPr>
-        <p:spPr/>
+        <p:spPr>
+          <a:xfrm>
+            <a:off x="6848429" y="2363016"/>
+            <a:ext cx="4560425" cy="860445"/>
+          </a:xfrm>
+        </p:spPr>
         <p:txBody>
           <a:bodyPr>
+            <a:normAutofit lnSpcReduction="10000"/>
+          </a:bodyPr>
+          <a:lstStyle/>
+          <a:p>
+            <a:pPr marL="0" indent="0">
+              <a:lnSpc>
+                <a:spcPct val="150000"/>
+              </a:lnSpc>
+              <a:buNone/>
+            </a:pPr>
+            <a:r>
+              <a:rPr lang="zh-TW" altLang="en-US" dirty="0" smtClean="0">
+                <a:solidFill>
+                  <a:schemeClr val="tx1"/>
+                </a:solidFill>
+              </a:rPr>
+              <a:t>主要</a:t>
+            </a:r>
+            <a:r>
+              <a:rPr lang="zh-TW" altLang="en-US" dirty="0" smtClean="0">
+                <a:solidFill>
+                  <a:schemeClr val="tx1"/>
+                </a:solidFill>
+              </a:rPr>
+              <a:t>頁面採用了深灰和橘色的搭配，給人一種沉穩低調的</a:t>
+            </a:r>
+            <a:r>
+              <a:rPr lang="zh-TW" altLang="en-US" dirty="0" smtClean="0">
+                <a:solidFill>
+                  <a:schemeClr val="tx1"/>
+                </a:solidFill>
+              </a:rPr>
+              <a:t>感覺。</a:t>
+            </a:r>
+            <a:endParaRPr lang="zh-TW" altLang="en-US" dirty="0">
+              <a:solidFill>
+                <a:schemeClr val="tx1"/>
+              </a:solidFill>
+            </a:endParaRPr>
+          </a:p>
+        </p:txBody>
+      </p:sp>
+      <p:pic>
+        <p:nvPicPr>
+          <p:cNvPr id="5" name="圖片 4"/>
+          <p:cNvPicPr>
+            <a:picLocks noChangeAspect="1"/>
+          </p:cNvPicPr>
+          <p:nvPr/>
+        </p:nvPicPr>
+        <p:blipFill>
+          <a:blip r:embed="rId2">
+            <a:extLst>
+              <a:ext uri="{28A0092B-C50C-407E-A947-70E740481C1C}">
+                <a14:useLocalDpi xmlns:a14="http://schemas.microsoft.com/office/drawing/2010/main" val="0"/>
+              </a:ext>
+            </a:extLst>
+          </a:blip>
+          <a:stretch>
+            <a:fillRect/>
+          </a:stretch>
+        </p:blipFill>
+        <p:spPr>
+          <a:xfrm>
+            <a:off x="864334" y="1284261"/>
+            <a:ext cx="5071298" cy="5261431"/>
+          </a:xfrm>
+          <a:prstGeom prst="rect">
+            <a:avLst/>
+          </a:prstGeom>
+        </p:spPr>
+      </p:pic>
+      <p:sp>
+        <p:nvSpPr>
+          <p:cNvPr id="7" name="矩形 6"/>
+          <p:cNvSpPr/>
+          <p:nvPr/>
+        </p:nvSpPr>
+        <p:spPr>
+          <a:xfrm>
+            <a:off x="6848431" y="829595"/>
+            <a:ext cx="540000" cy="540000"/>
+          </a:xfrm>
+          <a:prstGeom prst="rect">
+            <a:avLst/>
+          </a:prstGeom>
+          <a:solidFill>
+            <a:srgbClr val="E87536"/>
+          </a:solidFill>
+          <a:ln>
+            <a:noFill/>
+          </a:ln>
+        </p:spPr>
+        <p:style>
+          <a:lnRef idx="2">
+            <a:schemeClr val="accent1">
+              <a:shade val="50000"/>
+            </a:schemeClr>
+          </a:lnRef>
+          <a:fillRef idx="1">
+            <a:schemeClr val="accent1"/>
+          </a:fillRef>
+          <a:effectRef idx="0">
+            <a:schemeClr val="accent1"/>
+          </a:effectRef>
+          <a:fontRef idx="minor">
+            <a:schemeClr val="lt1"/>
+          </a:fontRef>
+        </p:style>
+        <p:txBody>
+          <a:bodyPr rtlCol="0" anchor="ctr"/>
+          <a:lstStyle/>
+          <a:p>
+            <a:pPr algn="ctr"/>
+            <a:endParaRPr lang="zh-TW" altLang="en-US"/>
+          </a:p>
+        </p:txBody>
+      </p:sp>
+      <p:sp>
+        <p:nvSpPr>
+          <p:cNvPr id="8" name="文字方塊 7"/>
+          <p:cNvSpPr txBox="1"/>
+          <p:nvPr/>
+        </p:nvSpPr>
+        <p:spPr>
+          <a:xfrm>
+            <a:off x="7430947" y="914929"/>
+            <a:ext cx="2037144" cy="369332"/>
+          </a:xfrm>
+          <a:prstGeom prst="rect">
+            <a:avLst/>
+          </a:prstGeom>
+          <a:noFill/>
+        </p:spPr>
+        <p:txBody>
+          <a:bodyPr wrap="square" rtlCol="0">
+            <a:spAutoFit/>
+          </a:bodyPr>
+          <a:lstStyle/>
+          <a:p>
+            <a:r>
+              <a:rPr lang="en-US" altLang="zh-TW" dirty="0" smtClean="0"/>
+              <a:t>RGB(232, 117, 54)</a:t>
+            </a:r>
+            <a:endParaRPr lang="zh-TW" altLang="en-US" dirty="0"/>
+          </a:p>
+        </p:txBody>
+      </p:sp>
+      <p:sp>
+        <p:nvSpPr>
+          <p:cNvPr id="9" name="矩形 8"/>
+          <p:cNvSpPr/>
+          <p:nvPr/>
+        </p:nvSpPr>
+        <p:spPr>
+          <a:xfrm>
+            <a:off x="6890947" y="4275462"/>
+            <a:ext cx="540000" cy="540000"/>
+          </a:xfrm>
+          <a:prstGeom prst="rect">
+            <a:avLst/>
+          </a:prstGeom>
+          <a:solidFill>
+            <a:srgbClr val="F0EDE4"/>
+          </a:solidFill>
+          <a:ln>
+            <a:noFill/>
+          </a:ln>
+        </p:spPr>
+        <p:style>
+          <a:lnRef idx="2">
+            <a:schemeClr val="accent1">
+              <a:shade val="50000"/>
+            </a:schemeClr>
+          </a:lnRef>
+          <a:fillRef idx="1">
+            <a:schemeClr val="accent1"/>
+          </a:fillRef>
+          <a:effectRef idx="0">
+            <a:schemeClr val="accent1"/>
+          </a:effectRef>
+          <a:fontRef idx="minor">
+            <a:schemeClr val="lt1"/>
+          </a:fontRef>
+        </p:style>
+        <p:txBody>
+          <a:bodyPr rtlCol="0" anchor="ctr"/>
+          <a:lstStyle/>
+          <a:p>
+            <a:pPr algn="ctr"/>
+            <a:endParaRPr lang="zh-TW" altLang="en-US"/>
+          </a:p>
+        </p:txBody>
+      </p:sp>
+      <p:sp>
+        <p:nvSpPr>
+          <p:cNvPr id="10" name="文字方塊 9"/>
+          <p:cNvSpPr txBox="1"/>
+          <p:nvPr/>
+        </p:nvSpPr>
+        <p:spPr>
+          <a:xfrm>
+            <a:off x="7473463" y="4275462"/>
+            <a:ext cx="2176040" cy="369332"/>
+          </a:xfrm>
+          <a:prstGeom prst="rect">
+            <a:avLst/>
+          </a:prstGeom>
+          <a:noFill/>
+        </p:spPr>
+        <p:txBody>
+          <a:bodyPr wrap="square" rtlCol="0">
+            <a:spAutoFit/>
+          </a:bodyPr>
+          <a:lstStyle/>
+          <a:p>
+            <a:r>
+              <a:rPr lang="en-US" altLang="zh-TW" dirty="0" smtClean="0"/>
+              <a:t>RGB(240, 237, 228)</a:t>
+            </a:r>
+            <a:endParaRPr lang="zh-TW" altLang="en-US" dirty="0"/>
+          </a:p>
+        </p:txBody>
+      </p:sp>
+      <p:sp>
+        <p:nvSpPr>
+          <p:cNvPr id="11" name="矩形 10"/>
+          <p:cNvSpPr/>
+          <p:nvPr/>
+        </p:nvSpPr>
+        <p:spPr>
+          <a:xfrm>
+            <a:off x="6848431" y="1660991"/>
+            <a:ext cx="540000" cy="540000"/>
+          </a:xfrm>
+          <a:prstGeom prst="rect">
+            <a:avLst/>
+          </a:prstGeom>
+          <a:solidFill>
+            <a:srgbClr val="333333"/>
+          </a:solidFill>
+          <a:ln>
+            <a:noFill/>
+          </a:ln>
+        </p:spPr>
+        <p:style>
+          <a:lnRef idx="2">
+            <a:schemeClr val="accent1">
+              <a:shade val="50000"/>
+            </a:schemeClr>
+          </a:lnRef>
+          <a:fillRef idx="1">
+            <a:schemeClr val="accent1"/>
+          </a:fillRef>
+          <a:effectRef idx="0">
+            <a:schemeClr val="accent1"/>
+          </a:effectRef>
+          <a:fontRef idx="minor">
+            <a:schemeClr val="lt1"/>
+          </a:fontRef>
+        </p:style>
+        <p:txBody>
+          <a:bodyPr rtlCol="0" anchor="ctr"/>
+          <a:lstStyle/>
+          <a:p>
+            <a:pPr algn="ctr"/>
+            <a:endParaRPr lang="zh-TW" altLang="en-US"/>
+          </a:p>
+        </p:txBody>
+      </p:sp>
+      <p:sp>
+        <p:nvSpPr>
+          <p:cNvPr id="12" name="文字方塊 11"/>
+          <p:cNvSpPr txBox="1"/>
+          <p:nvPr/>
+        </p:nvSpPr>
+        <p:spPr>
+          <a:xfrm>
+            <a:off x="7430947" y="1650118"/>
+            <a:ext cx="2176040" cy="369332"/>
+          </a:xfrm>
+          <a:prstGeom prst="rect">
+            <a:avLst/>
+          </a:prstGeom>
+          <a:noFill/>
+        </p:spPr>
+        <p:txBody>
+          <a:bodyPr wrap="square" rtlCol="0">
+            <a:spAutoFit/>
+          </a:bodyPr>
+          <a:lstStyle/>
+          <a:p>
+            <a:r>
+              <a:rPr lang="en-US" altLang="zh-TW" dirty="0" smtClean="0"/>
+              <a:t>RGB(51, 51, 51)</a:t>
+            </a:r>
+            <a:endParaRPr lang="zh-TW" altLang="en-US" dirty="0"/>
+          </a:p>
+        </p:txBody>
+      </p:sp>
+      <p:sp>
+        <p:nvSpPr>
+          <p:cNvPr id="13" name="內容版面配置區 2"/>
+          <p:cNvSpPr txBox="1">
+            <a:spLocks/>
+          </p:cNvSpPr>
+          <p:nvPr/>
+        </p:nvSpPr>
+        <p:spPr>
+          <a:xfrm>
+            <a:off x="6848430" y="4933900"/>
+            <a:ext cx="4560425" cy="1623879"/>
+          </a:xfrm>
+          <a:prstGeom prst="rect">
+            <a:avLst/>
+          </a:prstGeom>
+        </p:spPr>
+        <p:txBody>
+          <a:bodyPr vert="horz" lIns="91440" tIns="45720" rIns="91440" bIns="45720" rtlCol="0">
             <a:normAutofit/>
           </a:bodyPr>
-          <a:lstStyle/>
+          <a:lstStyle>
+            <a:lvl1pPr marL="342900" indent="-342900" algn="l" defTabSz="457200" rtl="0" eaLnBrk="1" latinLnBrk="0" hangingPunct="1">
+              <a:spcBef>
+                <a:spcPts val="1000"/>
+              </a:spcBef>
+              <a:spcAft>
+                <a:spcPts val="0"/>
+              </a:spcAft>
+              <a:buClr>
+                <a:schemeClr val="accent1"/>
+              </a:buClr>
+              <a:buSzPct val="80000"/>
+              <a:buFont typeface="Wingdings 3" charset="2"/>
+              <a:buChar char=""/>
+              <a:defRPr sz="1800" kern="1200">
+                <a:solidFill>
+                  <a:schemeClr val="tx1">
+                    <a:lumMod val="75000"/>
+                    <a:lumOff val="25000"/>
+                  </a:schemeClr>
+                </a:solidFill>
+                <a:latin typeface="+mn-lt"/>
+                <a:ea typeface="+mn-ea"/>
+                <a:cs typeface="+mn-cs"/>
+              </a:defRPr>
+            </a:lvl1pPr>
+            <a:lvl2pPr marL="742950" indent="-285750" algn="l" defTabSz="457200" rtl="0" eaLnBrk="1" latinLnBrk="0" hangingPunct="1">
+              <a:spcBef>
+                <a:spcPts val="1000"/>
+              </a:spcBef>
+              <a:spcAft>
+                <a:spcPts val="0"/>
+              </a:spcAft>
+              <a:buClr>
+                <a:schemeClr val="accent1"/>
+              </a:buClr>
+              <a:buSzPct val="80000"/>
+              <a:buFont typeface="Wingdings 3" charset="2"/>
+              <a:buChar char=""/>
+              <a:defRPr sz="1600" kern="1200">
+                <a:solidFill>
+                  <a:schemeClr val="tx1">
+                    <a:lumMod val="75000"/>
+                    <a:lumOff val="25000"/>
+                  </a:schemeClr>
+                </a:solidFill>
+                <a:latin typeface="+mn-lt"/>
+                <a:ea typeface="+mn-ea"/>
+                <a:cs typeface="+mn-cs"/>
+              </a:defRPr>
+            </a:lvl2pPr>
+            <a:lvl3pPr marL="1143000" indent="-228600" algn="l" defTabSz="457200" rtl="0" eaLnBrk="1" latinLnBrk="0" hangingPunct="1">
+              <a:spcBef>
+                <a:spcPts val="1000"/>
+              </a:spcBef>
+              <a:spcAft>
+                <a:spcPts val="0"/>
+              </a:spcAft>
+              <a:buClr>
+                <a:schemeClr val="accent1"/>
+              </a:buClr>
+              <a:buSzPct val="80000"/>
+              <a:buFont typeface="Wingdings 3" charset="2"/>
+              <a:buChar char=""/>
+              <a:defRPr sz="1400" kern="1200">
+                <a:solidFill>
+                  <a:schemeClr val="tx1">
+                    <a:lumMod val="75000"/>
+                    <a:lumOff val="25000"/>
+                  </a:schemeClr>
+                </a:solidFill>
+                <a:latin typeface="+mn-lt"/>
+                <a:ea typeface="+mn-ea"/>
+                <a:cs typeface="+mn-cs"/>
+              </a:defRPr>
+            </a:lvl3pPr>
+            <a:lvl4pPr marL="1600200" indent="-228600" algn="l" defTabSz="457200" rtl="0" eaLnBrk="1" latinLnBrk="0" hangingPunct="1">
+              <a:spcBef>
+                <a:spcPts val="1000"/>
+              </a:spcBef>
+              <a:spcAft>
+                <a:spcPts val="0"/>
+              </a:spcAft>
+              <a:buClr>
+                <a:schemeClr val="accent1"/>
+              </a:buClr>
+              <a:buSzPct val="80000"/>
+              <a:buFont typeface="Wingdings 3" charset="2"/>
+              <a:buChar char=""/>
+              <a:defRPr sz="1200" kern="1200">
+                <a:solidFill>
+                  <a:schemeClr val="tx1">
+                    <a:lumMod val="75000"/>
+                    <a:lumOff val="25000"/>
+                  </a:schemeClr>
+                </a:solidFill>
+                <a:latin typeface="+mn-lt"/>
+                <a:ea typeface="+mn-ea"/>
+                <a:cs typeface="+mn-cs"/>
+              </a:defRPr>
+            </a:lvl4pPr>
+            <a:lvl5pPr marL="2057400" indent="-228600" algn="l" defTabSz="457200" rtl="0" eaLnBrk="1" latinLnBrk="0" hangingPunct="1">
+              <a:spcBef>
+                <a:spcPts val="1000"/>
+              </a:spcBef>
+              <a:spcAft>
+                <a:spcPts val="0"/>
+              </a:spcAft>
+              <a:buClr>
+                <a:schemeClr val="accent1"/>
+              </a:buClr>
+              <a:buSzPct val="80000"/>
+              <a:buFont typeface="Wingdings 3" charset="2"/>
+              <a:buChar char=""/>
+              <a:defRPr sz="1200" kern="1200">
+                <a:solidFill>
+                  <a:schemeClr val="tx1">
+                    <a:lumMod val="75000"/>
+                    <a:lumOff val="25000"/>
+                  </a:schemeClr>
+                </a:solidFill>
+                <a:latin typeface="+mn-lt"/>
+                <a:ea typeface="+mn-ea"/>
+                <a:cs typeface="+mn-cs"/>
+              </a:defRPr>
+            </a:lvl5pPr>
+            <a:lvl6pPr marL="2514600" indent="-228600" algn="l" defTabSz="457200" rtl="0" eaLnBrk="1" latinLnBrk="0" hangingPunct="1">
+              <a:spcBef>
+                <a:spcPts val="1000"/>
+              </a:spcBef>
+              <a:spcAft>
+                <a:spcPts val="0"/>
+              </a:spcAft>
+              <a:buClr>
+                <a:schemeClr val="accent1"/>
+              </a:buClr>
+              <a:buSzPct val="80000"/>
+              <a:buFont typeface="Wingdings 3" charset="2"/>
+              <a:buChar char=""/>
+              <a:defRPr sz="1200" kern="1200">
+                <a:solidFill>
+                  <a:schemeClr val="tx1">
+                    <a:lumMod val="75000"/>
+                    <a:lumOff val="25000"/>
+                  </a:schemeClr>
+                </a:solidFill>
+                <a:latin typeface="+mn-lt"/>
+                <a:ea typeface="+mn-ea"/>
+                <a:cs typeface="+mn-cs"/>
+              </a:defRPr>
+            </a:lvl6pPr>
+            <a:lvl7pPr marL="2971800" indent="-228600" algn="l" defTabSz="457200" rtl="0" eaLnBrk="1" latinLnBrk="0" hangingPunct="1">
+              <a:spcBef>
+                <a:spcPts val="1000"/>
+              </a:spcBef>
+              <a:spcAft>
+                <a:spcPts val="0"/>
+              </a:spcAft>
+              <a:buClr>
+                <a:schemeClr val="accent1"/>
+              </a:buClr>
+              <a:buSzPct val="80000"/>
+              <a:buFont typeface="Wingdings 3" charset="2"/>
+              <a:buChar char=""/>
+              <a:defRPr sz="1200" kern="1200">
+                <a:solidFill>
+                  <a:schemeClr val="tx1">
+                    <a:lumMod val="75000"/>
+                    <a:lumOff val="25000"/>
+                  </a:schemeClr>
+                </a:solidFill>
+                <a:latin typeface="+mn-lt"/>
+                <a:ea typeface="+mn-ea"/>
+                <a:cs typeface="+mn-cs"/>
+              </a:defRPr>
+            </a:lvl7pPr>
+            <a:lvl8pPr marL="3429000" indent="-228600" algn="l" defTabSz="457200" rtl="0" eaLnBrk="1" latinLnBrk="0" hangingPunct="1">
+              <a:spcBef>
+                <a:spcPts val="1000"/>
+              </a:spcBef>
+              <a:spcAft>
+                <a:spcPts val="0"/>
+              </a:spcAft>
+              <a:buClr>
+                <a:schemeClr val="accent1"/>
+              </a:buClr>
+              <a:buSzPct val="80000"/>
+              <a:buFont typeface="Wingdings 3" charset="2"/>
+              <a:buChar char=""/>
+              <a:defRPr sz="1200" kern="1200">
+                <a:solidFill>
+                  <a:schemeClr val="tx1">
+                    <a:lumMod val="75000"/>
+                    <a:lumOff val="25000"/>
+                  </a:schemeClr>
+                </a:solidFill>
+                <a:latin typeface="+mn-lt"/>
+                <a:ea typeface="+mn-ea"/>
+                <a:cs typeface="+mn-cs"/>
+              </a:defRPr>
+            </a:lvl8pPr>
+            <a:lvl9pPr marL="3886200" indent="-228600" algn="l" defTabSz="457200" rtl="0" eaLnBrk="1" latinLnBrk="0" hangingPunct="1">
+              <a:spcBef>
+                <a:spcPts val="1000"/>
+              </a:spcBef>
+              <a:spcAft>
+                <a:spcPts val="0"/>
+              </a:spcAft>
+              <a:buClr>
+                <a:schemeClr val="accent1"/>
+              </a:buClr>
+              <a:buSzPct val="80000"/>
+              <a:buFont typeface="Wingdings 3" charset="2"/>
+              <a:buChar char=""/>
+              <a:defRPr sz="1200" kern="1200">
+                <a:solidFill>
+                  <a:schemeClr val="tx1">
+                    <a:lumMod val="75000"/>
+                    <a:lumOff val="25000"/>
+                  </a:schemeClr>
+                </a:solidFill>
+                <a:latin typeface="+mn-lt"/>
+                <a:ea typeface="+mn-ea"/>
+                <a:cs typeface="+mn-cs"/>
+              </a:defRPr>
+            </a:lvl9pPr>
+          </a:lstStyle>
           <a:p>
             <a:pPr marL="0" indent="0">
+              <a:lnSpc>
+                <a:spcPct val="150000"/>
+              </a:lnSpc>
+              <a:buFont typeface="Wingdings 3" charset="2"/>
               <a:buNone/>
             </a:pPr>
             <a:r>
-              <a:rPr lang="en-US" altLang="zh-TW" sz="2400" dirty="0" smtClean="0">
+              <a:rPr lang="zh-TW" altLang="en-US" dirty="0" smtClean="0">
                 <a:solidFill>
                   <a:schemeClr val="tx1"/>
                 </a:solidFill>
               </a:rPr>
-              <a:t>	</a:t>
-            </a:r>
-            <a:r>
-              <a:rPr lang="zh-TW" altLang="en-US" sz="2400" dirty="0" smtClean="0">
-                <a:solidFill>
-                  <a:schemeClr val="tx1"/>
-                </a:solidFill>
-              </a:rPr>
-              <a:t>主要頁面採用了深灰和橘色的搭配，給人一種沉穩低調的感覺，而背景則是選擇米色為底，使得網頁看起來乾淨、整潔又不至於太過刺眼。</a:t>
-            </a:r>
-            <a:endParaRPr lang="zh-TW" altLang="en-US" sz="2400" dirty="0">
+              <a:t>背景則是選擇米色為底，使得網頁看起來乾淨、整潔又不至於太過刺眼。</a:t>
+            </a:r>
+            <a:endParaRPr lang="zh-TW" altLang="en-US" dirty="0">
               <a:solidFill>
                 <a:schemeClr val="tx1"/>
               </a:solidFill>
@@ -6258,22 +6822,46 @@
               <a:buNone/>
             </a:pPr>
             <a:r>
-              <a:rPr lang="en-US" altLang="zh-TW" sz="2400" dirty="0" smtClean="0">
+              <a:rPr lang="zh-TW" altLang="en-US" sz="3200" dirty="0" smtClean="0">
                 <a:solidFill>
                   <a:schemeClr val="tx1"/>
                 </a:solidFill>
               </a:rPr>
-              <a:t>	</a:t>
-            </a:r>
-            <a:r>
-              <a:rPr lang="zh-TW" altLang="en-US" sz="2400" dirty="0" smtClean="0">
+              <a:t>北</a:t>
+            </a:r>
+            <a:r>
+              <a:rPr lang="zh-TW" altLang="en-US" sz="3200" dirty="0" smtClean="0">
                 <a:solidFill>
                   <a:schemeClr val="tx1"/>
                 </a:solidFill>
               </a:rPr>
-              <a:t>北科雖小，五臟俱全。</a:t>
-            </a:r>
-            <a:endParaRPr lang="en-US" altLang="zh-TW" sz="2400" dirty="0" smtClean="0">
+              <a:t>科</a:t>
+            </a:r>
+            <a:r>
+              <a:rPr lang="zh-TW" altLang="en-US" sz="3200" dirty="0" smtClean="0">
+                <a:solidFill>
+                  <a:schemeClr val="tx1"/>
+                </a:solidFill>
+              </a:rPr>
+              <a:t>雖</a:t>
+            </a:r>
+            <a:r>
+              <a:rPr lang="zh-TW" altLang="en-US" sz="2000" dirty="0" smtClean="0">
+                <a:solidFill>
+                  <a:srgbClr val="FF0000"/>
+                </a:solidFill>
+              </a:rPr>
+              <a:t>小</a:t>
+            </a:r>
+            <a:r>
+              <a:rPr lang="zh-TW" altLang="en-US" sz="3200" dirty="0" smtClean="0">
+                <a:solidFill>
+                  <a:schemeClr val="tx1"/>
+                </a:solidFill>
+              </a:rPr>
+              <a:t>，五臟俱全</a:t>
+            </a:r>
+            <a:endParaRPr lang="en-US" altLang="zh-TW" sz="3200" dirty="0" smtClean="0">
               <a:solidFill>
                 <a:schemeClr val="tx1"/>
               </a:solidFill>
@@ -6281,6 +6869,9 @@
           </a:p>
           <a:p>
             <a:pPr marL="0" indent="0">
+              <a:lnSpc>
+                <a:spcPct val="150000"/>
+              </a:lnSpc>
               <a:buNone/>
             </a:pPr>
             <a:r>
@@ -6297,7 +6888,39 @@
                   <a:schemeClr val="tx1"/>
                 </a:solidFill>
               </a:rPr>
-              <a:t>我們想藉由這個網站來讓剛來北科的人們能夠快速了解這個學校，或是讓已經在這個學校人們能夠更加深入這個地方。</a:t>
+              <a:t>跟其他很多大學比起來，北科的校園真的相當的小，但儘管校園不大卻位處於台北市精華地段，我們</a:t>
+            </a:r>
+            <a:r>
+              <a:rPr lang="zh-TW" altLang="en-US" sz="2400" dirty="0" smtClean="0">
+                <a:solidFill>
+                  <a:schemeClr val="tx1"/>
+                </a:solidFill>
+              </a:rPr>
+              <a:t>想藉由這個網站來讓剛來北科的人們能夠快速了解這個</a:t>
+            </a:r>
+            <a:r>
+              <a:rPr lang="zh-TW" altLang="en-US" sz="2400" dirty="0" smtClean="0">
+                <a:solidFill>
+                  <a:schemeClr val="tx1"/>
+                </a:solidFill>
+              </a:rPr>
+              <a:t>學校及校園周遭，</a:t>
+            </a:r>
+            <a:r>
+              <a:rPr lang="zh-TW" altLang="en-US" sz="2400" dirty="0" smtClean="0">
+                <a:solidFill>
+                  <a:schemeClr val="tx1"/>
+                </a:solidFill>
+              </a:rPr>
+              <a:t>或是</a:t>
+            </a:r>
+            <a:r>
+              <a:rPr lang="zh-TW" altLang="en-US" sz="2400" dirty="0" smtClean="0">
+                <a:solidFill>
+                  <a:schemeClr val="tx1"/>
+                </a:solidFill>
+              </a:rPr>
+              <a:t>讓來訪的客人們知道有哪些可以去的地方。</a:t>
             </a:r>
             <a:endParaRPr lang="zh-TW" altLang="en-US" sz="2400" dirty="0">
               <a:solidFill>
@@ -6387,7 +7010,12 @@
             <p:ph idx="1"/>
           </p:nvPr>
         </p:nvSpPr>
-        <p:spPr/>
+        <p:spPr>
+          <a:xfrm>
+            <a:off x="677334" y="2577278"/>
+            <a:ext cx="6140155" cy="1103471"/>
+          </a:xfrm>
+        </p:spPr>
         <p:txBody>
           <a:bodyPr>
             <a:normAutofit/>
@@ -7229,8 +7857,8 @@
         </p:blipFill>
         <p:spPr>
           <a:xfrm>
-            <a:off x="1119706" y="1735723"/>
-            <a:ext cx="7711923" cy="3994003"/>
+            <a:off x="821126" y="1679739"/>
+            <a:ext cx="8737440" cy="4525118"/>
           </a:xfrm>
           <a:prstGeom prst="rect">
             <a:avLst/>
@@ -7564,7 +8192,12 @@
             <p:ph type="title"/>
           </p:nvPr>
         </p:nvSpPr>
-        <p:spPr/>
+        <p:spPr>
+          <a:xfrm>
+            <a:off x="677334" y="458645"/>
+            <a:ext cx="8596668" cy="1320800"/>
+          </a:xfrm>
+        </p:spPr>
         <p:txBody>
           <a:bodyPr>
             <a:normAutofit/>
@@ -7612,7 +8245,7 @@
         </p:blipFill>
         <p:spPr>
           <a:xfrm>
-            <a:off x="677335" y="1676400"/>
+            <a:off x="677334" y="1954193"/>
             <a:ext cx="3167850" cy="2943226"/>
           </a:xfrm>
           <a:prstGeom prst="rect">
@@ -7642,7 +8275,7 @@
         </p:blipFill>
         <p:spPr>
           <a:xfrm>
-            <a:off x="4232911" y="1676398"/>
+            <a:off x="4452829" y="2864021"/>
             <a:ext cx="3291839" cy="3067474"/>
           </a:xfrm>
           <a:prstGeom prst="rect">
@@ -7672,7 +8305,7 @@
         </p:blipFill>
         <p:spPr>
           <a:xfrm>
-            <a:off x="7912476" y="1270000"/>
+            <a:off x="8673457" y="871717"/>
             <a:ext cx="2416380" cy="4905377"/>
           </a:xfrm>
           <a:prstGeom prst="rect">
@@ -7727,7 +8360,12 @@
             <p:ph type="title"/>
           </p:nvPr>
         </p:nvSpPr>
-        <p:spPr/>
+        <p:spPr>
+          <a:xfrm>
+            <a:off x="677334" y="308658"/>
+            <a:ext cx="2482555" cy="1320800"/>
+          </a:xfrm>
+        </p:spPr>
         <p:txBody>
           <a:bodyPr>
             <a:normAutofit/>
@@ -7767,7 +8405,7 @@
         </p:blipFill>
         <p:spPr>
           <a:xfrm>
-            <a:off x="677334" y="1695448"/>
+            <a:off x="677334" y="1788045"/>
             <a:ext cx="3151716" cy="3135615"/>
           </a:xfrm>
           <a:prstGeom prst="rect">
@@ -7797,7 +8435,7 @@
         </p:blipFill>
         <p:spPr>
           <a:xfrm>
-            <a:off x="4140359" y="1695448"/>
+            <a:off x="4378043" y="2777118"/>
             <a:ext cx="3095006" cy="2914652"/>
           </a:xfrm>
           <a:prstGeom prst="rect">
@@ -7813,7 +8451,7 @@
           </p:cNvPicPr>
           <p:nvPr/>
         </p:nvPicPr>
-        <p:blipFill>
+        <p:blipFill rotWithShape="1">
           <a:blip r:embed="rId4">
             <a:extLst>
               <a:ext uri="{28A0092B-C50C-407E-A947-70E740481C1C}">
@@ -7821,14 +8459,13 @@
               </a:ext>
             </a:extLst>
           </a:blip>
-          <a:stretch>
-            <a:fillRect/>
-          </a:stretch>
+          <a:srcRect l="10865" r="7903"/>
+          <a:stretch/>
         </p:blipFill>
         <p:spPr>
           <a:xfrm>
-            <a:off x="7546674" y="1695448"/>
-            <a:ext cx="4300631" cy="3486152"/>
+            <a:off x="8022042" y="2042689"/>
+            <a:ext cx="3355871" cy="3218940"/>
           </a:xfrm>
           <a:prstGeom prst="rect">
             <a:avLst/>
